--- a/src/DataAccess/DataAccess.pptx
+++ b/src/DataAccess/DataAccess.pptx
@@ -104,6 +104,11 @@
       </a:defRPr>
     </a:lvl9pPr>
   </p:defaultTextStyle>
+  <p:extLst>
+    <p:ext uri="{EFAFB233-063F-42B5-8137-9DF3F51BA10A}">
+      <p15:sldGuideLst xmlns:p15="http://schemas.microsoft.com/office/powerpoint/2012/main"/>
+    </p:ext>
+  </p:extLst>
 </p:presentation>
 </file>
 
@@ -3370,6 +3375,60 @@
       </p:grpSpPr>
       <p:sp>
         <p:nvSpPr>
+          <p:cNvPr id="2" name="Rectangle 1">
+            <a:extLst>
+              <a:ext uri="{FF2B5EF4-FFF2-40B4-BE49-F238E27FC236}">
+                <a16:creationId xmlns:a16="http://schemas.microsoft.com/office/drawing/2014/main" id="{7CD66628-93B0-49BD-A247-C37DC5E504CD}"/>
+              </a:ext>
+            </a:extLst>
+          </p:cNvPr>
+          <p:cNvSpPr/>
+          <p:nvPr/>
+        </p:nvSpPr>
+        <p:spPr>
+          <a:xfrm>
+            <a:off x="4127383" y="1224793"/>
+            <a:ext cx="3516241" cy="4084731"/>
+          </a:xfrm>
+          <a:prstGeom prst="rect">
+            <a:avLst/>
+          </a:prstGeom>
+          <a:noFill/>
+          <a:ln w="9525" cap="flat" cmpd="sng" algn="ctr">
+            <a:solidFill>
+              <a:schemeClr val="dk1"/>
+            </a:solidFill>
+            <a:prstDash val="solid"/>
+            <a:round/>
+            <a:headEnd type="none" w="med" len="med"/>
+            <a:tailEnd type="none" w="med" len="med"/>
+          </a:ln>
+        </p:spPr>
+        <p:style>
+          <a:lnRef idx="0">
+            <a:scrgbClr r="0" g="0" b="0"/>
+          </a:lnRef>
+          <a:fillRef idx="0">
+            <a:scrgbClr r="0" g="0" b="0"/>
+          </a:fillRef>
+          <a:effectRef idx="0">
+            <a:scrgbClr r="0" g="0" b="0"/>
+          </a:effectRef>
+          <a:fontRef idx="minor">
+            <a:schemeClr val="dk1"/>
+          </a:fontRef>
+        </p:style>
+        <p:txBody>
+          <a:bodyPr rtlCol="0" anchor="ctr"/>
+          <a:lstStyle/>
+          <a:p>
+            <a:pPr algn="ctr"/>
+            <a:endParaRPr lang="en-US"/>
+          </a:p>
+        </p:txBody>
+      </p:sp>
+      <p:sp>
+        <p:nvSpPr>
           <p:cNvPr id="4" name="Rectangle 3">
             <a:extLst>
               <a:ext uri="{FF2B5EF4-FFF2-40B4-BE49-F238E27FC236}">
@@ -3658,7 +3717,7 @@
         </p:nvCxnSpPr>
         <p:spPr>
           <a:xfrm>
-            <a:off x="3238150" y="3429000"/>
+            <a:off x="3120704" y="3426903"/>
             <a:ext cx="889233" cy="0"/>
           </a:xfrm>
           <a:prstGeom prst="straightConnector1">
@@ -3698,7 +3757,7 @@
         </p:nvSpPr>
         <p:spPr>
           <a:xfrm>
-            <a:off x="9103597" y="2902932"/>
+            <a:off x="10755656" y="2902932"/>
             <a:ext cx="1191236" cy="1371587"/>
           </a:xfrm>
           <a:prstGeom prst="flowChartMagneticDisk">
@@ -3744,8 +3803,99 @@
         </p:nvCxnSpPr>
         <p:spPr>
           <a:xfrm>
-            <a:off x="7928994" y="3453468"/>
+            <a:off x="7794770" y="3520750"/>
             <a:ext cx="889233" cy="0"/>
+          </a:xfrm>
+          <a:prstGeom prst="straightConnector1">
+            <a:avLst/>
+          </a:prstGeom>
+          <a:ln>
+            <a:headEnd type="triangle"/>
+            <a:tailEnd type="triangle"/>
+          </a:ln>
+        </p:spPr>
+        <p:style>
+          <a:lnRef idx="1">
+            <a:schemeClr val="dk1"/>
+          </a:lnRef>
+          <a:fillRef idx="0">
+            <a:schemeClr val="dk1"/>
+          </a:fillRef>
+          <a:effectRef idx="0">
+            <a:schemeClr val="dk1"/>
+          </a:effectRef>
+          <a:fontRef idx="minor">
+            <a:schemeClr val="tx1"/>
+          </a:fontRef>
+        </p:style>
+      </p:cxnSp>
+      <p:sp>
+        <p:nvSpPr>
+          <p:cNvPr id="13" name="Rectangle 12">
+            <a:extLst>
+              <a:ext uri="{FF2B5EF4-FFF2-40B4-BE49-F238E27FC236}">
+                <a16:creationId xmlns:a16="http://schemas.microsoft.com/office/drawing/2014/main" id="{E162F4B8-8671-42F2-86DC-11FCB5B569A6}"/>
+              </a:ext>
+            </a:extLst>
+          </p:cNvPr>
+          <p:cNvSpPr/>
+          <p:nvPr/>
+        </p:nvSpPr>
+        <p:spPr>
+          <a:xfrm>
+            <a:off x="8909821" y="3045204"/>
+            <a:ext cx="1091681" cy="1040233"/>
+          </a:xfrm>
+          <a:prstGeom prst="rect">
+            <a:avLst/>
+          </a:prstGeom>
+        </p:spPr>
+        <p:style>
+          <a:lnRef idx="2">
+            <a:schemeClr val="accent1">
+              <a:shade val="50000"/>
+            </a:schemeClr>
+          </a:lnRef>
+          <a:fillRef idx="1">
+            <a:schemeClr val="accent1"/>
+          </a:fillRef>
+          <a:effectRef idx="0">
+            <a:schemeClr val="accent1"/>
+          </a:effectRef>
+          <a:fontRef idx="minor">
+            <a:schemeClr val="lt1"/>
+          </a:fontRef>
+        </p:style>
+        <p:txBody>
+          <a:bodyPr rtlCol="0" anchor="ctr"/>
+          <a:lstStyle/>
+          <a:p>
+            <a:pPr algn="ctr"/>
+            <a:r>
+              <a:rPr lang="en-US" dirty="0"/>
+              <a:t>ORM</a:t>
+            </a:r>
+          </a:p>
+        </p:txBody>
+      </p:sp>
+      <p:cxnSp>
+        <p:nvCxnSpPr>
+          <p:cNvPr id="17" name="Straight Arrow Connector 16">
+            <a:extLst>
+              <a:ext uri="{FF2B5EF4-FFF2-40B4-BE49-F238E27FC236}">
+                <a16:creationId xmlns:a16="http://schemas.microsoft.com/office/drawing/2014/main" id="{4189A6AD-1BFF-43A7-88D7-76800CF54BD8}"/>
+              </a:ext>
+            </a:extLst>
+          </p:cNvPr>
+          <p:cNvCxnSpPr>
+            <a:cxnSpLocks/>
+          </p:cNvCxnSpPr>
+          <p:nvPr/>
+        </p:nvCxnSpPr>
+        <p:spPr>
+          <a:xfrm>
+            <a:off x="10128307" y="3536129"/>
+            <a:ext cx="500544" cy="0"/>
           </a:xfrm>
           <a:prstGeom prst="straightConnector1">
             <a:avLst/>
